--- a/Python-Slides/Tuples-in-Python-Session#5.pptx
+++ b/Python-Slides/Tuples-in-Python-Session#5.pptx
@@ -268,7 +268,7 @@
           <a:p>
             <a:fld id="{A8816268-B39C-4255-A017-6464AFC3BB34}" type="datetimeFigureOut">
               <a:rPr lang="en-IN" smtClean="0"/>
-              <a:t>17-11-2020</a:t>
+              <a:t>09-07-2021</a:t>
             </a:fld>
             <a:endParaRPr lang="en-IN"/>
           </a:p>
@@ -468,7 +468,7 @@
           <a:p>
             <a:fld id="{A8816268-B39C-4255-A017-6464AFC3BB34}" type="datetimeFigureOut">
               <a:rPr lang="en-IN" smtClean="0"/>
-              <a:t>17-11-2020</a:t>
+              <a:t>09-07-2021</a:t>
             </a:fld>
             <a:endParaRPr lang="en-IN"/>
           </a:p>
@@ -678,7 +678,7 @@
           <a:p>
             <a:fld id="{A8816268-B39C-4255-A017-6464AFC3BB34}" type="datetimeFigureOut">
               <a:rPr lang="en-IN" smtClean="0"/>
-              <a:t>17-11-2020</a:t>
+              <a:t>09-07-2021</a:t>
             </a:fld>
             <a:endParaRPr lang="en-IN"/>
           </a:p>
@@ -878,7 +878,7 @@
           <a:p>
             <a:fld id="{A8816268-B39C-4255-A017-6464AFC3BB34}" type="datetimeFigureOut">
               <a:rPr lang="en-IN" smtClean="0"/>
-              <a:t>17-11-2020</a:t>
+              <a:t>09-07-2021</a:t>
             </a:fld>
             <a:endParaRPr lang="en-IN"/>
           </a:p>
@@ -1154,7 +1154,7 @@
           <a:p>
             <a:fld id="{A8816268-B39C-4255-A017-6464AFC3BB34}" type="datetimeFigureOut">
               <a:rPr lang="en-IN" smtClean="0"/>
-              <a:t>17-11-2020</a:t>
+              <a:t>09-07-2021</a:t>
             </a:fld>
             <a:endParaRPr lang="en-IN"/>
           </a:p>
@@ -1422,7 +1422,7 @@
           <a:p>
             <a:fld id="{A8816268-B39C-4255-A017-6464AFC3BB34}" type="datetimeFigureOut">
               <a:rPr lang="en-IN" smtClean="0"/>
-              <a:t>17-11-2020</a:t>
+              <a:t>09-07-2021</a:t>
             </a:fld>
             <a:endParaRPr lang="en-IN"/>
           </a:p>
@@ -1837,7 +1837,7 @@
           <a:p>
             <a:fld id="{A8816268-B39C-4255-A017-6464AFC3BB34}" type="datetimeFigureOut">
               <a:rPr lang="en-IN" smtClean="0"/>
-              <a:t>17-11-2020</a:t>
+              <a:t>09-07-2021</a:t>
             </a:fld>
             <a:endParaRPr lang="en-IN"/>
           </a:p>
@@ -1979,7 +1979,7 @@
           <a:p>
             <a:fld id="{A8816268-B39C-4255-A017-6464AFC3BB34}" type="datetimeFigureOut">
               <a:rPr lang="en-IN" smtClean="0"/>
-              <a:t>17-11-2020</a:t>
+              <a:t>09-07-2021</a:t>
             </a:fld>
             <a:endParaRPr lang="en-IN"/>
           </a:p>
@@ -2092,7 +2092,7 @@
           <a:p>
             <a:fld id="{A8816268-B39C-4255-A017-6464AFC3BB34}" type="datetimeFigureOut">
               <a:rPr lang="en-IN" smtClean="0"/>
-              <a:t>17-11-2020</a:t>
+              <a:t>09-07-2021</a:t>
             </a:fld>
             <a:endParaRPr lang="en-IN"/>
           </a:p>
@@ -2405,7 +2405,7 @@
           <a:p>
             <a:fld id="{A8816268-B39C-4255-A017-6464AFC3BB34}" type="datetimeFigureOut">
               <a:rPr lang="en-IN" smtClean="0"/>
-              <a:t>17-11-2020</a:t>
+              <a:t>09-07-2021</a:t>
             </a:fld>
             <a:endParaRPr lang="en-IN"/>
           </a:p>
@@ -2694,7 +2694,7 @@
           <a:p>
             <a:fld id="{A8816268-B39C-4255-A017-6464AFC3BB34}" type="datetimeFigureOut">
               <a:rPr lang="en-IN" smtClean="0"/>
-              <a:t>17-11-2020</a:t>
+              <a:t>09-07-2021</a:t>
             </a:fld>
             <a:endParaRPr lang="en-IN"/>
           </a:p>
@@ -2937,7 +2937,7 @@
           <a:p>
             <a:fld id="{A8816268-B39C-4255-A017-6464AFC3BB34}" type="datetimeFigureOut">
               <a:rPr lang="en-IN" smtClean="0"/>
-              <a:t>17-11-2020</a:t>
+              <a:t>09-07-2021</a:t>
             </a:fld>
             <a:endParaRPr lang="en-IN"/>
           </a:p>
@@ -3852,8 +3852,8 @@
         </p:nvSpPr>
         <p:spPr>
           <a:xfrm>
-            <a:off x="2744679" y="1237102"/>
-            <a:ext cx="6702641" cy="546485"/>
+            <a:off x="1768135" y="1258981"/>
+            <a:ext cx="7668828" cy="726828"/>
           </a:xfrm>
           <a:prstGeom prst="roundRect">
             <a:avLst/>
@@ -3880,7 +3880,7 @@
             <a:pPr algn="ctr"/>
             <a:r>
               <a:rPr lang="en-US" dirty="0"/>
-              <a:t>Tuple is an ordered collection of elements enclosed within ().</a:t>
+              <a:t>Tuple is an ordered collection of elements enclosed within (). In Tuple all values have different meaning(heterogeneous)</a:t>
             </a:r>
             <a:endParaRPr lang="en-IN" dirty="0"/>
           </a:p>
@@ -4012,7 +4012,71 @@
             <a:pPr algn="ctr"/>
             <a:r>
               <a:rPr lang="en-US" dirty="0"/>
-              <a:t>Tup1=(1,’a’,True)</a:t>
+              <a:t>Tup1=(1,’a’,True,”Python”)</a:t>
+            </a:r>
+            <a:endParaRPr lang="en-IN" dirty="0"/>
+          </a:p>
+        </p:txBody>
+      </p:sp>
+      <p:sp>
+        <p:nvSpPr>
+          <p:cNvPr id="3" name="TextBox 2">
+            <a:extLst>
+              <a:ext uri="{FF2B5EF4-FFF2-40B4-BE49-F238E27FC236}">
+                <a16:creationId xmlns:a16="http://schemas.microsoft.com/office/drawing/2014/main" id="{38F01FD8-FFFD-4FFD-821F-3C2582270FC5}"/>
+              </a:ext>
+            </a:extLst>
+          </p:cNvPr>
+          <p:cNvSpPr txBox="1"/>
+          <p:nvPr/>
+        </p:nvSpPr>
+        <p:spPr>
+          <a:xfrm>
+            <a:off x="5042517" y="4705165"/>
+            <a:ext cx="4709303" cy="1200329"/>
+          </a:xfrm>
+          <a:prstGeom prst="rect">
+            <a:avLst/>
+          </a:prstGeom>
+          <a:noFill/>
+          <a:ln>
+            <a:solidFill>
+              <a:schemeClr val="tx1"/>
+            </a:solidFill>
+          </a:ln>
+        </p:spPr>
+        <p:txBody>
+          <a:bodyPr wrap="none" rtlCol="0">
+            <a:spAutoFit/>
+          </a:bodyPr>
+          <a:lstStyle/>
+          <a:p>
+            <a:r>
+              <a:rPr lang="en-US" b="1" dirty="0"/>
+              <a:t>Tuple Examples :</a:t>
+            </a:r>
+          </a:p>
+          <a:p>
+            <a:r>
+              <a:rPr lang="en-US" dirty="0"/>
+              <a:t> point=(4,5) # 4 is x-coordinate, 5 is y-coordinate</a:t>
+            </a:r>
+          </a:p>
+          <a:p>
+            <a:endParaRPr lang="en-US" dirty="0"/>
+          </a:p>
+          <a:p>
+            <a:r>
+              <a:rPr lang="en-US" dirty="0"/>
+              <a:t> address=(“1 purple </a:t>
+            </a:r>
+            <a:r>
+              <a:rPr lang="en-US" dirty="0" err="1"/>
+              <a:t>street”,”new</a:t>
+            </a:r>
+            <a:r>
+              <a:rPr lang="en-US" dirty="0"/>
+              <a:t> York”,,10001)</a:t>
             </a:r>
             <a:endParaRPr lang="en-IN" dirty="0"/>
           </a:p>
@@ -4098,32 +4162,69 @@
           <a:bodyPr/>
           <a:lstStyle/>
           <a:p>
-            <a:pPr marL="0" indent="0">
-              <a:buNone/>
+            <a:pPr>
+              <a:buFont typeface="Wingdings" panose="05000000000000000000" pitchFamily="2" charset="2"/>
+              <a:buChar char="Ø"/>
             </a:pPr>
             <a:r>
               <a:rPr lang="en-US" dirty="0"/>
-              <a:t> tup1=(1, True, 3.14,5-7j)</a:t>
-            </a:r>
-          </a:p>
-          <a:p>
-            <a:pPr marL="0" indent="0">
-              <a:buNone/>
+              <a:t> </a:t>
+            </a:r>
+            <a:r>
+              <a:rPr lang="en-US" sz="2400" dirty="0"/>
+              <a:t>tup1=(1, True, 3.14,5-7j)</a:t>
+            </a:r>
+          </a:p>
+          <a:p>
+            <a:pPr>
+              <a:buFont typeface="Wingdings" panose="05000000000000000000" pitchFamily="2" charset="2"/>
+              <a:buChar char="Ø"/>
             </a:pPr>
             <a:r>
-              <a:rPr lang="en-US" dirty="0"/>
+              <a:rPr lang="en-US" sz="2400" dirty="0"/>
               <a:t> print(tup1)</a:t>
             </a:r>
           </a:p>
           <a:p>
-            <a:pPr marL="0" indent="0">
-              <a:buNone/>
+            <a:pPr>
+              <a:buFont typeface="Wingdings" panose="05000000000000000000" pitchFamily="2" charset="2"/>
+              <a:buChar char="Ø"/>
             </a:pPr>
             <a:r>
-              <a:rPr lang="en-US" dirty="0"/>
+              <a:rPr lang="en-US" sz="2400" dirty="0"/>
               <a:t> type(tup1)</a:t>
             </a:r>
-            <a:endParaRPr lang="en-IN" dirty="0"/>
+          </a:p>
+          <a:p>
+            <a:pPr>
+              <a:buFont typeface="Wingdings" panose="05000000000000000000" pitchFamily="2" charset="2"/>
+              <a:buChar char="Ø"/>
+            </a:pPr>
+            <a:r>
+              <a:rPr lang="en-US" sz="2400" dirty="0"/>
+              <a:t>Tup2=(1,)</a:t>
+            </a:r>
+          </a:p>
+          <a:p>
+            <a:pPr>
+              <a:buFont typeface="Wingdings" panose="05000000000000000000" pitchFamily="2" charset="2"/>
+              <a:buChar char="Ø"/>
+            </a:pPr>
+            <a:r>
+              <a:rPr lang="en-US" sz="2400" dirty="0"/>
+              <a:t>Print(tup2)</a:t>
+            </a:r>
+          </a:p>
+          <a:p>
+            <a:pPr>
+              <a:buFont typeface="Wingdings" panose="05000000000000000000" pitchFamily="2" charset="2"/>
+              <a:buChar char="Ø"/>
+            </a:pPr>
+            <a:r>
+              <a:rPr lang="en-US" sz="2400" dirty="0"/>
+              <a:t> print(type(tup1[0]))</a:t>
+            </a:r>
+            <a:endParaRPr lang="en-IN" sz="2400" dirty="0"/>
           </a:p>
         </p:txBody>
       </p:sp>
@@ -4480,8 +4581,8 @@
         </p:nvSpPr>
         <p:spPr>
           <a:xfrm>
-            <a:off x="2272684" y="1690688"/>
-            <a:ext cx="4970913" cy="369332"/>
+            <a:off x="838200" y="1659108"/>
+            <a:ext cx="5259453" cy="369332"/>
           </a:xfrm>
           <a:prstGeom prst="rect">
             <a:avLst/>
@@ -4494,6 +4595,10 @@
           </a:bodyPr>
           <a:lstStyle/>
           <a:p>
+            <a:pPr marL="285750" indent="-285750">
+              <a:buFont typeface="Arial" panose="020B0604020202020204" pitchFamily="34" charset="0"/>
+              <a:buChar char="•"/>
+            </a:pPr>
             <a:r>
               <a:rPr lang="en-US" dirty="0"/>
               <a:t>You cannot modify a tuple because it is immutable.</a:t>
@@ -4516,8 +4621,8 @@
         </p:nvSpPr>
         <p:spPr>
           <a:xfrm>
-            <a:off x="2379216" y="2503503"/>
-            <a:ext cx="5530788" cy="923330"/>
+            <a:off x="2379215" y="2503502"/>
+            <a:ext cx="5708341" cy="923330"/>
           </a:xfrm>
           <a:prstGeom prst="rect">
             <a:avLst/>
@@ -4586,14 +4691,50 @@
         </p:blipFill>
         <p:spPr>
           <a:xfrm>
-            <a:off x="2272684" y="3728954"/>
-            <a:ext cx="7719729" cy="923330"/>
+            <a:off x="1145219" y="4252679"/>
+            <a:ext cx="9646329" cy="1153764"/>
           </a:xfrm>
           <a:prstGeom prst="rect">
             <a:avLst/>
           </a:prstGeom>
         </p:spPr>
       </p:pic>
+      <p:sp>
+        <p:nvSpPr>
+          <p:cNvPr id="3" name="TextBox 2">
+            <a:extLst>
+              <a:ext uri="{FF2B5EF4-FFF2-40B4-BE49-F238E27FC236}">
+                <a16:creationId xmlns:a16="http://schemas.microsoft.com/office/drawing/2014/main" id="{BE79C0C8-5D26-410D-96BA-7CF20C06444A}"/>
+              </a:ext>
+            </a:extLst>
+          </p:cNvPr>
+          <p:cNvSpPr txBox="1"/>
+          <p:nvPr/>
+        </p:nvSpPr>
+        <p:spPr>
+          <a:xfrm>
+            <a:off x="1145219" y="3764132"/>
+            <a:ext cx="770852" cy="369332"/>
+          </a:xfrm>
+          <a:prstGeom prst="rect">
+            <a:avLst/>
+          </a:prstGeom>
+          <a:noFill/>
+        </p:spPr>
+        <p:txBody>
+          <a:bodyPr wrap="none" rtlCol="0">
+            <a:spAutoFit/>
+          </a:bodyPr>
+          <a:lstStyle/>
+          <a:p>
+            <a:r>
+              <a:rPr lang="en-US" dirty="0"/>
+              <a:t>Error :</a:t>
+            </a:r>
+            <a:endParaRPr lang="en-IN" dirty="0"/>
+          </a:p>
+        </p:txBody>
+      </p:sp>
     </p:spTree>
     <p:extLst>
       <p:ext uri="{BB962C8B-B14F-4D97-AF65-F5344CB8AC3E}">
@@ -4704,7 +4845,7 @@
         <p:spPr>
           <a:xfrm>
             <a:off x="2396970" y="2379216"/>
-            <a:ext cx="4714043" cy="1233996"/>
+            <a:ext cx="4252405" cy="1325562"/>
           </a:xfrm>
           <a:prstGeom prst="round2DiagRect">
             <a:avLst/>
@@ -4818,7 +4959,7 @@
         <p:spPr>
           <a:xfrm>
             <a:off x="2503503" y="4740676"/>
-            <a:ext cx="4607510" cy="1393794"/>
+            <a:ext cx="4145872" cy="1325562"/>
           </a:xfrm>
           <a:prstGeom prst="round2DiagRect">
             <a:avLst/>
